--- a/Proposal/ba_proposal_presentation.pptx
+++ b/Proposal/ba_proposal_presentation.pptx
@@ -6400,7 +6400,7 @@
           </a:bodyPr>
           <a:lstStyle/>
           <a:p>
-            <a:pPr indent="0" lvl="0" marL="0" rtl="0" algn="l">
+            <a:pPr indent="-314325" lvl="0" marL="457200" rtl="0" algn="l">
               <a:lnSpc>
                 <a:spcPct val="150000"/>
               </a:lnSpc>
@@ -6410,7 +6410,12 @@
               <a:spcAft>
                 <a:spcPts val="0"/>
               </a:spcAft>
-              <a:buNone/>
+              <a:buClr>
+                <a:schemeClr val="dk1"/>
+              </a:buClr>
+              <a:buSzPts val="1350"/>
+              <a:buFont typeface="Lexend"/>
+              <a:buChar char="●"/>
             </a:pPr>
             <a:r>
               <a:rPr lang="en" sz="1350">
@@ -6422,7 +6427,139 @@
                 <a:cs typeface="Lexend"/>
                 <a:sym typeface="Lexend"/>
               </a:rPr>
-              <a:t>Each year, the game industry experiences growth alongside the increasing quality of games. While a significant number of people worldwide lack access to high-performance hardware for gaming, developers optimize games to ensure an enjoyable experience across different devices. Furthermore, in countries with low GDP per capita, mobile gaming has gained popularity, providing access to gaming for a wider population. Considering these factors, this Bachelor's thesis aims to explore the potential of different programming paradigms in improving the gaming experience.</a:t>
+              <a:t>Industry growth</a:t>
+            </a:r>
+            <a:endParaRPr sz="1350">
+              <a:solidFill>
+                <a:schemeClr val="dk1"/>
+              </a:solidFill>
+              <a:latin typeface="Lexend"/>
+              <a:ea typeface="Lexend"/>
+              <a:cs typeface="Lexend"/>
+              <a:sym typeface="Lexend"/>
+            </a:endParaRPr>
+          </a:p>
+          <a:p>
+            <a:pPr indent="-314325" lvl="0" marL="457200" rtl="0" algn="l">
+              <a:lnSpc>
+                <a:spcPct val="150000"/>
+              </a:lnSpc>
+              <a:spcBef>
+                <a:spcPts val="0"/>
+              </a:spcBef>
+              <a:spcAft>
+                <a:spcPts val="0"/>
+              </a:spcAft>
+              <a:buClr>
+                <a:schemeClr val="dk1"/>
+              </a:buClr>
+              <a:buSzPts val="1350"/>
+              <a:buFont typeface="Lexend"/>
+              <a:buChar char="●"/>
+            </a:pPr>
+            <a:r>
+              <a:rPr lang="en" sz="1350">
+                <a:solidFill>
+                  <a:schemeClr val="dk1"/>
+                </a:solidFill>
+                <a:latin typeface="Lexend"/>
+                <a:ea typeface="Lexend"/>
+                <a:cs typeface="Lexend"/>
+                <a:sym typeface="Lexend"/>
+              </a:rPr>
+              <a:t>Lack access to hardware</a:t>
+            </a:r>
+            <a:endParaRPr sz="1350">
+              <a:solidFill>
+                <a:schemeClr val="dk1"/>
+              </a:solidFill>
+              <a:latin typeface="Lexend"/>
+              <a:ea typeface="Lexend"/>
+              <a:cs typeface="Lexend"/>
+              <a:sym typeface="Lexend"/>
+            </a:endParaRPr>
+          </a:p>
+          <a:p>
+            <a:pPr indent="-314325" lvl="0" marL="457200" rtl="0" algn="l">
+              <a:lnSpc>
+                <a:spcPct val="150000"/>
+              </a:lnSpc>
+              <a:spcBef>
+                <a:spcPts val="0"/>
+              </a:spcBef>
+              <a:spcAft>
+                <a:spcPts val="0"/>
+              </a:spcAft>
+              <a:buClr>
+                <a:schemeClr val="dk1"/>
+              </a:buClr>
+              <a:buSzPts val="1350"/>
+              <a:buFont typeface="Lexend"/>
+              <a:buChar char="●"/>
+            </a:pPr>
+            <a:r>
+              <a:rPr lang="en" sz="1350">
+                <a:solidFill>
+                  <a:schemeClr val="dk1"/>
+                </a:solidFill>
+                <a:latin typeface="Lexend"/>
+                <a:ea typeface="Lexend"/>
+                <a:cs typeface="Lexend"/>
+                <a:sym typeface="Lexend"/>
+              </a:rPr>
+              <a:t>The rise of Mobile Gaming in developing </a:t>
+            </a:r>
+            <a:r>
+              <a:rPr lang="en" sz="1350">
+                <a:solidFill>
+                  <a:schemeClr val="dk1"/>
+                </a:solidFill>
+                <a:latin typeface="Lexend"/>
+                <a:ea typeface="Lexend"/>
+                <a:cs typeface="Lexend"/>
+                <a:sym typeface="Lexend"/>
+              </a:rPr>
+              <a:t>countries</a:t>
+            </a:r>
+            <a:endParaRPr sz="1350">
+              <a:solidFill>
+                <a:schemeClr val="dk1"/>
+              </a:solidFill>
+              <a:latin typeface="Lexend"/>
+              <a:ea typeface="Lexend"/>
+              <a:cs typeface="Lexend"/>
+              <a:sym typeface="Lexend"/>
+            </a:endParaRPr>
+          </a:p>
+          <a:p>
+            <a:pPr indent="-314325" lvl="0" marL="457200" rtl="0" algn="l">
+              <a:lnSpc>
+                <a:spcPct val="150000"/>
+              </a:lnSpc>
+              <a:spcBef>
+                <a:spcPts val="0"/>
+              </a:spcBef>
+              <a:spcAft>
+                <a:spcPts val="0"/>
+              </a:spcAft>
+              <a:buClr>
+                <a:schemeClr val="dk1"/>
+              </a:buClr>
+              <a:buSzPts val="1350"/>
+              <a:buFont typeface="Lexend"/>
+              <a:buChar char="●"/>
+            </a:pPr>
+            <a:r>
+              <a:rPr lang="en" sz="1350">
+                <a:solidFill>
+                  <a:schemeClr val="dk1"/>
+                </a:solidFill>
+                <a:latin typeface="Lexend"/>
+                <a:ea typeface="Lexend"/>
+                <a:cs typeface="Lexend"/>
+                <a:sym typeface="Lexend"/>
+              </a:rPr>
+              <a:t>Programming Paradigms</a:t>
             </a:r>
             <a:endParaRPr sz="1350">
               <a:solidFill>
@@ -6937,7 +7074,7 @@
           </a:bodyPr>
           <a:lstStyle/>
           <a:p>
-            <a:pPr indent="0" lvl="0" marL="0" rtl="0" algn="l">
+            <a:pPr indent="-314325" lvl="0" marL="457200" rtl="0" algn="l">
               <a:lnSpc>
                 <a:spcPct val="150000"/>
               </a:lnSpc>
@@ -6945,9 +7082,54 @@
                 <a:spcPts val="0"/>
               </a:spcBef>
               <a:spcAft>
+                <a:spcPts val="0"/>
+              </a:spcAft>
+              <a:buClr>
+                <a:schemeClr val="dk1"/>
+              </a:buClr>
+              <a:buSzPts val="1350"/>
+              <a:buFont typeface="Lexend"/>
+              <a:buChar char="●"/>
+            </a:pPr>
+            <a:r>
+              <a:rPr lang="en" sz="1350">
+                <a:solidFill>
+                  <a:schemeClr val="dk1"/>
+                </a:solidFill>
+                <a:latin typeface="Lexend"/>
+                <a:ea typeface="Lexend"/>
+                <a:cs typeface="Lexend"/>
+                <a:sym typeface="Lexend"/>
+              </a:rPr>
+              <a:t>Optimization is fascinating and difficult challenge </a:t>
+            </a:r>
+            <a:endParaRPr sz="1350">
+              <a:solidFill>
+                <a:schemeClr val="dk1"/>
+              </a:solidFill>
+              <a:latin typeface="Lexend"/>
+              <a:ea typeface="Lexend"/>
+              <a:cs typeface="Lexend"/>
+              <a:sym typeface="Lexend"/>
+            </a:endParaRPr>
+          </a:p>
+          <a:p>
+            <a:pPr indent="-314325" lvl="0" marL="457200" rtl="0" algn="l">
+              <a:lnSpc>
+                <a:spcPct val="150000"/>
+              </a:lnSpc>
+              <a:spcBef>
                 <a:spcPts val="800"/>
-              </a:spcAft>
-              <a:buNone/>
+              </a:spcBef>
+              <a:spcAft>
+                <a:spcPts val="0"/>
+              </a:spcAft>
+              <a:buClr>
+                <a:schemeClr val="dk1"/>
+              </a:buClr>
+              <a:buSzPts val="1350"/>
+              <a:buFont typeface="Lexend"/>
+              <a:buChar char="●"/>
             </a:pPr>
             <a:r>
               <a:rPr lang="en" sz="1350">
@@ -6959,55 +7141,47 @@
                 <a:cs typeface="Lexend"/>
                 <a:sym typeface="Lexend"/>
               </a:rPr>
-              <a:t>This topic is relevant to me because optimization is one of the most fascinating and difficult topics in game programming. Writing high-performance code is a challenge for almost any level of programming. Since Unity recently released </a:t>
-            </a:r>
+              <a:t>DOTS v1.0 released</a:t>
+            </a:r>
+            <a:endParaRPr sz="1350">
+              <a:solidFill>
+                <a:schemeClr val="dk1"/>
+              </a:solidFill>
+              <a:latin typeface="Lexend"/>
+              <a:ea typeface="Lexend"/>
+              <a:cs typeface="Lexend"/>
+              <a:sym typeface="Lexend"/>
+            </a:endParaRPr>
+          </a:p>
+          <a:p>
+            <a:pPr indent="-314325" lvl="0" marL="457200" rtl="0" algn="l">
+              <a:lnSpc>
+                <a:spcPct val="150000"/>
+              </a:lnSpc>
+              <a:spcBef>
+                <a:spcPts val="800"/>
+              </a:spcBef>
+              <a:spcAft>
+                <a:spcPts val="800"/>
+              </a:spcAft>
+              <a:buClr>
+                <a:schemeClr val="dk1"/>
+              </a:buClr>
+              <a:buSzPts val="1350"/>
+              <a:buFont typeface="Lexend"/>
+              <a:buChar char="●"/>
+            </a:pPr>
             <a:r>
               <a:rPr lang="en" sz="1350">
                 <a:solidFill>
-                  <a:schemeClr val="accent4"/>
-                </a:solidFill>
-                <a:latin typeface="Lexend"/>
-                <a:ea typeface="Lexend"/>
-                <a:cs typeface="Lexend"/>
-                <a:sym typeface="Lexend"/>
-              </a:rPr>
-              <a:t>DOTS v1.0</a:t>
-            </a:r>
-            <a:r>
-              <a:rPr lang="en" sz="1350">
-                <a:solidFill>
-                  <a:schemeClr val="dk1"/>
-                </a:solidFill>
-                <a:latin typeface="Lexend"/>
-                <a:ea typeface="Lexend"/>
-                <a:cs typeface="Lexend"/>
-                <a:sym typeface="Lexend"/>
-              </a:rPr>
-              <a:t> in the </a:t>
-            </a:r>
-            <a:r>
-              <a:rPr lang="en" sz="1350">
-                <a:solidFill>
-                  <a:schemeClr val="accent5"/>
-                </a:solidFill>
-                <a:latin typeface="Lexend"/>
-                <a:ea typeface="Lexend"/>
-                <a:cs typeface="Lexend"/>
-                <a:sym typeface="Lexend"/>
-              </a:rPr>
-              <a:t>LTS 2022</a:t>
-            </a:r>
-            <a:r>
-              <a:rPr lang="en" sz="1350">
-                <a:solidFill>
-                  <a:schemeClr val="dk1"/>
-                </a:solidFill>
-                <a:latin typeface="Lexend"/>
-                <a:ea typeface="Lexend"/>
-                <a:cs typeface="Lexend"/>
-                <a:sym typeface="Lexend"/>
-              </a:rPr>
-              <a:t>, I decided to cover how it works and compare it to a classic Object-Oriented approach. However, benchmarking on a PC requires access to hardware I do not have. Meanwhile, I own various mobile devices that I am going to use as testing devices.</a:t>
+                  <a:schemeClr val="dk1"/>
+                </a:solidFill>
+                <a:latin typeface="Lexend"/>
+                <a:ea typeface="Lexend"/>
+                <a:cs typeface="Lexend"/>
+                <a:sym typeface="Lexend"/>
+              </a:rPr>
+              <a:t>I have a lot of mobile devices</a:t>
             </a:r>
             <a:endParaRPr sz="1350">
               <a:solidFill>
@@ -8435,7 +8609,31 @@
                 <a:cs typeface="Lexend"/>
                 <a:sym typeface="Lexend"/>
               </a:rPr>
-              <a:t>Week 2 - Overview and Subsections 3.1 - 3.2 and 4.1 - 4.2</a:t>
+              <a:t>Week 2 - Overview, Core Principles, </a:t>
+            </a:r>
+            <a:r>
+              <a:rPr lang="en" sz="1100">
+                <a:solidFill>
+                  <a:schemeClr val="dk1"/>
+                </a:solidFill>
+                <a:latin typeface="Lexend"/>
+                <a:ea typeface="Lexend"/>
+                <a:cs typeface="Lexend"/>
+                <a:sym typeface="Lexend"/>
+              </a:rPr>
+              <a:t>Advantages</a:t>
+            </a:r>
+            <a:r>
+              <a:rPr lang="en" sz="1100">
+                <a:solidFill>
+                  <a:schemeClr val="dk1"/>
+                </a:solidFill>
+                <a:latin typeface="Lexend"/>
+                <a:ea typeface="Lexend"/>
+                <a:cs typeface="Lexend"/>
+                <a:sym typeface="Lexend"/>
+              </a:rPr>
+              <a:t> and Drawbacks</a:t>
             </a:r>
             <a:endParaRPr sz="1100">
               <a:solidFill>
@@ -8470,7 +8668,7 @@
                 <a:cs typeface="Lexend"/>
                 <a:sym typeface="Lexend"/>
               </a:rPr>
-              <a:t>Week 3 - Subsection 3.3 - 3.4</a:t>
+              <a:t>Week 3 - COD: Mobile and Genshin Impact</a:t>
             </a:r>
             <a:endParaRPr sz="1100">
               <a:solidFill>
@@ -8505,7 +8703,7 @@
                 <a:cs typeface="Lexend"/>
                 <a:sym typeface="Lexend"/>
               </a:rPr>
-              <a:t>Week 4 - Subsection 4.3 and revision</a:t>
+              <a:t>Week 4 - Tic Toc Games and revision</a:t>
             </a:r>
             <a:endParaRPr sz="1100">
               <a:solidFill>
@@ -8608,7 +8806,7 @@
         </p:spPr>
         <p:txBody>
           <a:bodyPr anchorCtr="0" anchor="t" bIns="91425" lIns="91425" spcFirstLastPara="1" rIns="91425" wrap="square" tIns="91425">
-            <a:normAutofit lnSpcReduction="20000"/>
+            <a:normAutofit/>
           </a:bodyPr>
           <a:lstStyle/>
           <a:p>
@@ -8739,7 +8937,7 @@
                 <a:cs typeface="Lexend"/>
                 <a:sym typeface="Lexend"/>
               </a:rPr>
-              <a:t>Week 3 - Object-Oriented based scene rendering</a:t>
+              <a:t>Week 3 &amp; 4 - Object-Oriented based scene rendering</a:t>
             </a:r>
             <a:endParaRPr sz="1100">
               <a:solidFill>
@@ -8774,7 +8972,7 @@
                 <a:cs typeface="Lexend"/>
                 <a:sym typeface="Lexend"/>
               </a:rPr>
-              <a:t>Week 4 - Object-Oriented based scene rendering</a:t>
+              <a:t>Week 5 &amp; 6 - DOTS based scene rendering</a:t>
             </a:r>
             <a:endParaRPr sz="1100">
               <a:solidFill>
@@ -8809,7 +9007,7 @@
                 <a:cs typeface="Lexend"/>
                 <a:sym typeface="Lexend"/>
               </a:rPr>
-              <a:t>Week 5 - DOTS based scene rendering</a:t>
+              <a:t>Week 7 &amp; 8 - Object-Oriented based physics simulation</a:t>
             </a:r>
             <a:endParaRPr sz="1100">
               <a:solidFill>
@@ -8844,7 +9042,7 @@
                 <a:cs typeface="Lexend"/>
                 <a:sym typeface="Lexend"/>
               </a:rPr>
-              <a:t>Week 6 - DOTS based scene rendering</a:t>
+              <a:t>Week 9 &amp; 10 - DOTS based physics simulation</a:t>
             </a:r>
             <a:endParaRPr sz="1100">
               <a:solidFill>
@@ -8865,7 +9063,7 @@
                 <a:spcPts val="800"/>
               </a:spcBef>
               <a:spcAft>
-                <a:spcPts val="0"/>
+                <a:spcPts val="800"/>
               </a:spcAft>
               <a:buNone/>
             </a:pPr>
@@ -8879,182 +9077,7 @@
                 <a:cs typeface="Lexend"/>
                 <a:sym typeface="Lexend"/>
               </a:rPr>
-              <a:t>Week 7 - Object-Oriented based physics simulation</a:t>
-            </a:r>
-            <a:endParaRPr sz="1100">
-              <a:solidFill>
-                <a:schemeClr val="dk1"/>
-              </a:solidFill>
-              <a:latin typeface="Lexend"/>
-              <a:ea typeface="Lexend"/>
-              <a:cs typeface="Lexend"/>
-              <a:sym typeface="Lexend"/>
-            </a:endParaRPr>
-          </a:p>
-          <a:p>
-            <a:pPr indent="0" lvl="0" marL="0" rtl="0" algn="l">
-              <a:lnSpc>
-                <a:spcPct val="107916"/>
-              </a:lnSpc>
-              <a:spcBef>
-                <a:spcPts val="800"/>
-              </a:spcBef>
-              <a:spcAft>
-                <a:spcPts val="0"/>
-              </a:spcAft>
-              <a:buNone/>
-            </a:pPr>
-            <a:r>
-              <a:rPr lang="en" sz="1100">
-                <a:solidFill>
-                  <a:schemeClr val="dk1"/>
-                </a:solidFill>
-                <a:latin typeface="Lexend"/>
-                <a:ea typeface="Lexend"/>
-                <a:cs typeface="Lexend"/>
-                <a:sym typeface="Lexend"/>
-              </a:rPr>
-              <a:t>Week 8 - Object-Oriented based physics simulation</a:t>
-            </a:r>
-            <a:endParaRPr sz="1100">
-              <a:solidFill>
-                <a:schemeClr val="dk1"/>
-              </a:solidFill>
-              <a:latin typeface="Lexend"/>
-              <a:ea typeface="Lexend"/>
-              <a:cs typeface="Lexend"/>
-              <a:sym typeface="Lexend"/>
-            </a:endParaRPr>
-          </a:p>
-          <a:p>
-            <a:pPr indent="0" lvl="0" marL="0" rtl="0" algn="l">
-              <a:lnSpc>
-                <a:spcPct val="107916"/>
-              </a:lnSpc>
-              <a:spcBef>
-                <a:spcPts val="800"/>
-              </a:spcBef>
-              <a:spcAft>
-                <a:spcPts val="0"/>
-              </a:spcAft>
-              <a:buNone/>
-            </a:pPr>
-            <a:r>
-              <a:rPr lang="en" sz="1100">
-                <a:solidFill>
-                  <a:schemeClr val="dk1"/>
-                </a:solidFill>
-                <a:latin typeface="Lexend"/>
-                <a:ea typeface="Lexend"/>
-                <a:cs typeface="Lexend"/>
-                <a:sym typeface="Lexend"/>
-              </a:rPr>
-              <a:t>Week 9 - DOTS based physics simulation</a:t>
-            </a:r>
-            <a:endParaRPr sz="1100">
-              <a:solidFill>
-                <a:schemeClr val="dk1"/>
-              </a:solidFill>
-              <a:latin typeface="Lexend"/>
-              <a:ea typeface="Lexend"/>
-              <a:cs typeface="Lexend"/>
-              <a:sym typeface="Lexend"/>
-            </a:endParaRPr>
-          </a:p>
-          <a:p>
-            <a:pPr indent="0" lvl="0" marL="0" rtl="0" algn="l">
-              <a:lnSpc>
-                <a:spcPct val="107916"/>
-              </a:lnSpc>
-              <a:spcBef>
-                <a:spcPts val="800"/>
-              </a:spcBef>
-              <a:spcAft>
-                <a:spcPts val="0"/>
-              </a:spcAft>
-              <a:buNone/>
-            </a:pPr>
-            <a:r>
-              <a:rPr lang="en" sz="1100">
-                <a:solidFill>
-                  <a:schemeClr val="dk1"/>
-                </a:solidFill>
-                <a:latin typeface="Lexend"/>
-                <a:ea typeface="Lexend"/>
-                <a:cs typeface="Lexend"/>
-                <a:sym typeface="Lexend"/>
-              </a:rPr>
-              <a:t>Week 10 - DOTS based physics simulation</a:t>
-            </a:r>
-            <a:endParaRPr sz="1100">
-              <a:solidFill>
-                <a:schemeClr val="dk1"/>
-              </a:solidFill>
-              <a:latin typeface="Lexend"/>
-              <a:ea typeface="Lexend"/>
-              <a:cs typeface="Lexend"/>
-              <a:sym typeface="Lexend"/>
-            </a:endParaRPr>
-          </a:p>
-          <a:p>
-            <a:pPr indent="0" lvl="0" marL="0" rtl="0" algn="l">
-              <a:lnSpc>
-                <a:spcPct val="107916"/>
-              </a:lnSpc>
-              <a:spcBef>
-                <a:spcPts val="800"/>
-              </a:spcBef>
-              <a:spcAft>
-                <a:spcPts val="0"/>
-              </a:spcAft>
-              <a:buNone/>
-            </a:pPr>
-            <a:r>
-              <a:rPr lang="en" sz="1100">
-                <a:solidFill>
-                  <a:schemeClr val="dk1"/>
-                </a:solidFill>
-                <a:latin typeface="Lexend"/>
-                <a:ea typeface="Lexend"/>
-                <a:cs typeface="Lexend"/>
-                <a:sym typeface="Lexend"/>
-              </a:rPr>
-              <a:t>Week 11 - Polishing / Buffer</a:t>
-            </a:r>
-            <a:endParaRPr sz="1100">
-              <a:solidFill>
-                <a:schemeClr val="dk1"/>
-              </a:solidFill>
-              <a:latin typeface="Lexend"/>
-              <a:ea typeface="Lexend"/>
-              <a:cs typeface="Lexend"/>
-              <a:sym typeface="Lexend"/>
-            </a:endParaRPr>
-          </a:p>
-          <a:p>
-            <a:pPr indent="0" lvl="0" marL="0" rtl="0" algn="l">
-              <a:lnSpc>
-                <a:spcPct val="107916"/>
-              </a:lnSpc>
-              <a:spcBef>
-                <a:spcPts val="800"/>
-              </a:spcBef>
-              <a:spcAft>
-                <a:spcPts val="800"/>
-              </a:spcAft>
-              <a:buNone/>
-            </a:pPr>
-            <a:r>
-              <a:rPr lang="en" sz="1100">
-                <a:solidFill>
-                  <a:schemeClr val="dk1"/>
-                </a:solidFill>
-                <a:latin typeface="Lexend"/>
-                <a:ea typeface="Lexend"/>
-                <a:cs typeface="Lexend"/>
-                <a:sym typeface="Lexend"/>
-              </a:rPr>
-              <a:t>Week 12 - Polishing / Buffer</a:t>
+              <a:t>Week 11 &amp; 12 - Polishing / Buffer</a:t>
             </a:r>
             <a:endParaRPr b="1" sz="1100">
               <a:solidFill>
@@ -9779,6 +9802,285 @@
 </file>
 
 <file path=ppt/theme/theme1.xml><?xml version="1.0" encoding="utf-8"?>
+<a:theme xmlns:a="http://schemas.openxmlformats.org/drawingml/2006/main" xmlns:r="http://schemas.openxmlformats.org/officeDocument/2006/relationships">
+  <a:themeElements>
+    <a:clrScheme name="Default">
+      <a:dk1>
+        <a:srgbClr val="000000"/>
+      </a:dk1>
+      <a:lt1>
+        <a:srgbClr val="FFFFFF"/>
+      </a:lt1>
+      <a:dk2>
+        <a:srgbClr val="158158"/>
+      </a:dk2>
+      <a:lt2>
+        <a:srgbClr val="F3F3F3"/>
+      </a:lt2>
+      <a:accent1>
+        <a:srgbClr val="058DC7"/>
+      </a:accent1>
+      <a:accent2>
+        <a:srgbClr val="50B432"/>
+      </a:accent2>
+      <a:accent3>
+        <a:srgbClr val="ED561B"/>
+      </a:accent3>
+      <a:accent4>
+        <a:srgbClr val="EDEF00"/>
+      </a:accent4>
+      <a:accent5>
+        <a:srgbClr val="24CBE5"/>
+      </a:accent5>
+      <a:accent6>
+        <a:srgbClr val="64E572"/>
+      </a:accent6>
+      <a:hlink>
+        <a:srgbClr val="2200CC"/>
+      </a:hlink>
+      <a:folHlink>
+        <a:srgbClr val="551A8B"/>
+      </a:folHlink>
+    </a:clrScheme>
+    <a:fontScheme name="Office">
+      <a:majorFont>
+        <a:latin typeface="Arial"/>
+        <a:ea typeface=""/>
+        <a:cs typeface=""/>
+        <a:font script="Jpan" typeface="ＭＳ Ｐゴシック"/>
+        <a:font script="Hang" typeface="맑은 고딕"/>
+        <a:font script="Hans" typeface="宋体"/>
+        <a:font script="Hant" typeface="新細明體"/>
+        <a:font script="Arab" typeface="Times New Roman"/>
+        <a:font script="Hebr" typeface="Times New Roman"/>
+        <a:font script="Thai" typeface="Angsana New"/>
+        <a:font script="Ethi" typeface="Nyala"/>
+        <a:font script="Beng" typeface="Vrinda"/>
+        <a:font script="Gujr" typeface="Shruti"/>
+        <a:font script="Khmr" typeface="MoolBoran"/>
+        <a:font script="Knda" typeface="Tunga"/>
+        <a:font script="Guru" typeface="Raavi"/>
+        <a:font script="Cans" typeface="Euphemia"/>
+        <a:font script="Cher" typeface="Plantagenet Cherokee"/>
+        <a:font script="Yiii" typeface="Microsoft Yi Baiti"/>
+        <a:font script="Tibt" typeface="Microsoft Himalaya"/>
+        <a:font script="Thaa" typeface="MV Boli"/>
+        <a:font script="Deva" typeface="Mangal"/>
+        <a:font script="Telu" typeface="Gautami"/>
+        <a:font script="Taml" typeface="Latha"/>
+        <a:font script="Syrc" typeface="Estrangelo Edessa"/>
+        <a:font script="Orya" typeface="Kalinga"/>
+        <a:font script="Mlym" typeface="Kartika"/>
+        <a:font script="Laoo" typeface="DokChampa"/>
+        <a:font script="Sinh" typeface="Iskoola Pota"/>
+        <a:font script="Mong" typeface="Mongolian Baiti"/>
+        <a:font script="Viet" typeface="Times New Roman"/>
+        <a:font script="Uigh" typeface="Microsoft Uighur"/>
+        <a:font script="Geor" typeface="Sylfaen"/>
+      </a:majorFont>
+      <a:minorFont>
+        <a:latin typeface="Arial"/>
+        <a:ea typeface=""/>
+        <a:cs typeface=""/>
+        <a:font script="Jpan" typeface="ＭＳ Ｐゴシック"/>
+        <a:font script="Hang" typeface="맑은 고딕"/>
+        <a:font script="Hans" typeface="宋体"/>
+        <a:font script="Hant" typeface="新細明體"/>
+        <a:font script="Arab" typeface="Arial"/>
+        <a:font script="Hebr" typeface="Arial"/>
+        <a:font script="Thai" typeface="Cordia New"/>
+        <a:font script="Ethi" typeface="Nyala"/>
+        <a:font script="Beng" typeface="Vrinda"/>
+        <a:font script="Gujr" typeface="Shruti"/>
+        <a:font script="Khmr" typeface="DaunPenh"/>
+        <a:font script="Knda" typeface="Tunga"/>
+        <a:font script="Guru" typeface="Raavi"/>
+        <a:font script="Cans" typeface="Euphemia"/>
+        <a:font script="Cher" typeface="Plantagenet Cherokee"/>
+        <a:font script="Yiii" typeface="Microsoft Yi Baiti"/>
+        <a:font script="Tibt" typeface="Microsoft Himalaya"/>
+        <a:font script="Thaa" typeface="MV Boli"/>
+        <a:font script="Deva" typeface="Mangal"/>
+        <a:font script="Telu" typeface="Gautami"/>
+        <a:font script="Taml" typeface="Latha"/>
+        <a:font script="Syrc" typeface="Estrangelo Edessa"/>
+        <a:font script="Orya" typeface="Kalinga"/>
+        <a:font script="Mlym" typeface="Kartika"/>
+        <a:font script="Laoo" typeface="DokChampa"/>
+        <a:font script="Sinh" typeface="Iskoola Pota"/>
+        <a:font script="Mong" typeface="Mongolian Baiti"/>
+        <a:font script="Viet" typeface="Arial"/>
+        <a:font script="Uigh" typeface="Microsoft Uighur"/>
+        <a:font script="Geor" typeface="Sylfaen"/>
+      </a:minorFont>
+    </a:fontScheme>
+    <a:fmtScheme name="Office">
+      <a:fillStyleLst>
+        <a:solidFill>
+          <a:schemeClr val="phClr"/>
+        </a:solidFill>
+        <a:gradFill rotWithShape="1">
+          <a:gsLst>
+            <a:gs pos="0">
+              <a:schemeClr val="phClr">
+                <a:tint val="50000"/>
+                <a:satMod val="300000"/>
+              </a:schemeClr>
+            </a:gs>
+            <a:gs pos="35000">
+              <a:schemeClr val="phClr">
+                <a:tint val="37000"/>
+                <a:satMod val="300000"/>
+              </a:schemeClr>
+            </a:gs>
+            <a:gs pos="100000">
+              <a:schemeClr val="phClr">
+                <a:tint val="15000"/>
+                <a:satMod val="350000"/>
+              </a:schemeClr>
+            </a:gs>
+          </a:gsLst>
+          <a:lin ang="16200000" scaled="1"/>
+        </a:gradFill>
+        <a:gradFill rotWithShape="1">
+          <a:gsLst>
+            <a:gs pos="0">
+              <a:schemeClr val="phClr">
+                <a:tint val="100000"/>
+                <a:shade val="100000"/>
+                <a:satMod val="130000"/>
+              </a:schemeClr>
+            </a:gs>
+            <a:gs pos="100000">
+              <a:schemeClr val="phClr">
+                <a:tint val="50000"/>
+                <a:shade val="100000"/>
+                <a:satMod val="350000"/>
+              </a:schemeClr>
+            </a:gs>
+          </a:gsLst>
+          <a:lin ang="16200000" scaled="0"/>
+        </a:gradFill>
+      </a:fillStyleLst>
+      <a:lnStyleLst>
+        <a:ln w="9525" cap="flat" cmpd="sng" algn="ctr">
+          <a:solidFill>
+            <a:schemeClr val="phClr">
+              <a:shade val="95000"/>
+              <a:satMod val="105000"/>
+            </a:schemeClr>
+          </a:solidFill>
+          <a:prstDash val="solid"/>
+        </a:ln>
+        <a:ln w="25400" cap="flat" cmpd="sng" algn="ctr">
+          <a:solidFill>
+            <a:schemeClr val="phClr"/>
+          </a:solidFill>
+          <a:prstDash val="solid"/>
+        </a:ln>
+        <a:ln w="38100" cap="flat" cmpd="sng" algn="ctr">
+          <a:solidFill>
+            <a:schemeClr val="phClr"/>
+          </a:solidFill>
+          <a:prstDash val="solid"/>
+        </a:ln>
+      </a:lnStyleLst>
+      <a:effectStyleLst>
+        <a:effectStyle>
+          <a:effectLst>
+            <a:outerShdw blurRad="40000" dist="20000" dir="5400000" rotWithShape="0">
+              <a:srgbClr val="000000">
+                <a:alpha val="38000"/>
+              </a:srgbClr>
+            </a:outerShdw>
+          </a:effectLst>
+        </a:effectStyle>
+        <a:effectStyle>
+          <a:effectLst>
+            <a:outerShdw blurRad="40000" dist="23000" dir="5400000" rotWithShape="0">
+              <a:srgbClr val="000000">
+                <a:alpha val="35000"/>
+              </a:srgbClr>
+            </a:outerShdw>
+          </a:effectLst>
+        </a:effectStyle>
+        <a:effectStyle>
+          <a:effectLst>
+            <a:outerShdw blurRad="40000" dist="23000" dir="5400000" rotWithShape="0">
+              <a:srgbClr val="000000">
+                <a:alpha val="35000"/>
+              </a:srgbClr>
+            </a:outerShdw>
+          </a:effectLst>
+          <a:scene3d>
+            <a:camera prst="orthographicFront">
+              <a:rot lat="0" lon="0" rev="0"/>
+            </a:camera>
+            <a:lightRig rig="threePt" dir="t">
+              <a:rot lat="0" lon="0" rev="1200000"/>
+            </a:lightRig>
+          </a:scene3d>
+          <a:sp3d>
+            <a:bevelT w="63500" h="25400"/>
+          </a:sp3d>
+        </a:effectStyle>
+      </a:effectStyleLst>
+      <a:bgFillStyleLst>
+        <a:solidFill>
+          <a:schemeClr val="phClr"/>
+        </a:solidFill>
+        <a:gradFill rotWithShape="1">
+          <a:gsLst>
+            <a:gs pos="0">
+              <a:schemeClr val="phClr">
+                <a:tint val="40000"/>
+                <a:satMod val="350000"/>
+              </a:schemeClr>
+            </a:gs>
+            <a:gs pos="40000">
+              <a:schemeClr val="phClr">
+                <a:tint val="45000"/>
+                <a:shade val="99000"/>
+                <a:satMod val="350000"/>
+              </a:schemeClr>
+            </a:gs>
+            <a:gs pos="100000">
+              <a:schemeClr val="phClr">
+                <a:shade val="20000"/>
+                <a:satMod val="255000"/>
+              </a:schemeClr>
+            </a:gs>
+          </a:gsLst>
+          <a:path path="circle">
+            <a:fillToRect l="50000" t="-80000" r="50000" b="180000"/>
+          </a:path>
+        </a:gradFill>
+        <a:gradFill rotWithShape="1">
+          <a:gsLst>
+            <a:gs pos="0">
+              <a:schemeClr val="phClr">
+                <a:tint val="80000"/>
+                <a:satMod val="300000"/>
+              </a:schemeClr>
+            </a:gs>
+            <a:gs pos="100000">
+              <a:schemeClr val="phClr">
+                <a:shade val="30000"/>
+                <a:satMod val="200000"/>
+              </a:schemeClr>
+            </a:gs>
+          </a:gsLst>
+          <a:path path="circle">
+            <a:fillToRect l="50000" t="50000" r="50000" b="50000"/>
+          </a:path>
+        </a:gradFill>
+      </a:bgFillStyleLst>
+    </a:fmtScheme>
+  </a:themeElements>
+</a:theme>
+</file>
+
+<file path=ppt/theme/theme2.xml><?xml version="1.0" encoding="utf-8"?>
 <a:theme xmlns:a="http://schemas.openxmlformats.org/drawingml/2006/main" xmlns:r="http://schemas.openxmlformats.org/officeDocument/2006/relationships" name="Simple Dark">
   <a:themeElements>
     <a:clrScheme name="Simple Dark">
@@ -10055,283 +10357,4 @@
     </a:fmtScheme>
   </a:themeElements>
 </a:theme>
-</file>
-
-<file path=ppt/theme/theme2.xml><?xml version="1.0" encoding="utf-8"?>
-<a:theme xmlns:a="http://schemas.openxmlformats.org/drawingml/2006/main" xmlns:r="http://schemas.openxmlformats.org/officeDocument/2006/relationships">
-  <a:themeElements>
-    <a:clrScheme name="Default">
-      <a:dk1>
-        <a:srgbClr val="000000"/>
-      </a:dk1>
-      <a:lt1>
-        <a:srgbClr val="FFFFFF"/>
-      </a:lt1>
-      <a:dk2>
-        <a:srgbClr val="158158"/>
-      </a:dk2>
-      <a:lt2>
-        <a:srgbClr val="F3F3F3"/>
-      </a:lt2>
-      <a:accent1>
-        <a:srgbClr val="058DC7"/>
-      </a:accent1>
-      <a:accent2>
-        <a:srgbClr val="50B432"/>
-      </a:accent2>
-      <a:accent3>
-        <a:srgbClr val="ED561B"/>
-      </a:accent3>
-      <a:accent4>
-        <a:srgbClr val="EDEF00"/>
-      </a:accent4>
-      <a:accent5>
-        <a:srgbClr val="24CBE5"/>
-      </a:accent5>
-      <a:accent6>
-        <a:srgbClr val="64E572"/>
-      </a:accent6>
-      <a:hlink>
-        <a:srgbClr val="2200CC"/>
-      </a:hlink>
-      <a:folHlink>
-        <a:srgbClr val="551A8B"/>
-      </a:folHlink>
-    </a:clrScheme>
-    <a:fontScheme name="Office">
-      <a:majorFont>
-        <a:latin typeface="Arial"/>
-        <a:ea typeface=""/>
-        <a:cs typeface=""/>
-        <a:font script="Jpan" typeface="ＭＳ Ｐゴシック"/>
-        <a:font script="Hang" typeface="맑은 고딕"/>
-        <a:font script="Hans" typeface="宋体"/>
-        <a:font script="Hant" typeface="新細明體"/>
-        <a:font script="Arab" typeface="Times New Roman"/>
-        <a:font script="Hebr" typeface="Times New Roman"/>
-        <a:font script="Thai" typeface="Angsana New"/>
-        <a:font script="Ethi" typeface="Nyala"/>
-        <a:font script="Beng" typeface="Vrinda"/>
-        <a:font script="Gujr" typeface="Shruti"/>
-        <a:font script="Khmr" typeface="MoolBoran"/>
-        <a:font script="Knda" typeface="Tunga"/>
-        <a:font script="Guru" typeface="Raavi"/>
-        <a:font script="Cans" typeface="Euphemia"/>
-        <a:font script="Cher" typeface="Plantagenet Cherokee"/>
-        <a:font script="Yiii" typeface="Microsoft Yi Baiti"/>
-        <a:font script="Tibt" typeface="Microsoft Himalaya"/>
-        <a:font script="Thaa" typeface="MV Boli"/>
-        <a:font script="Deva" typeface="Mangal"/>
-        <a:font script="Telu" typeface="Gautami"/>
-        <a:font script="Taml" typeface="Latha"/>
-        <a:font script="Syrc" typeface="Estrangelo Edessa"/>
-        <a:font script="Orya" typeface="Kalinga"/>
-        <a:font script="Mlym" typeface="Kartika"/>
-        <a:font script="Laoo" typeface="DokChampa"/>
-        <a:font script="Sinh" typeface="Iskoola Pota"/>
-        <a:font script="Mong" typeface="Mongolian Baiti"/>
-        <a:font script="Viet" typeface="Times New Roman"/>
-        <a:font script="Uigh" typeface="Microsoft Uighur"/>
-        <a:font script="Geor" typeface="Sylfaen"/>
-      </a:majorFont>
-      <a:minorFont>
-        <a:latin typeface="Arial"/>
-        <a:ea typeface=""/>
-        <a:cs typeface=""/>
-        <a:font script="Jpan" typeface="ＭＳ Ｐゴシック"/>
-        <a:font script="Hang" typeface="맑은 고딕"/>
-        <a:font script="Hans" typeface="宋体"/>
-        <a:font script="Hant" typeface="新細明體"/>
-        <a:font script="Arab" typeface="Arial"/>
-        <a:font script="Hebr" typeface="Arial"/>
-        <a:font script="Thai" typeface="Cordia New"/>
-        <a:font script="Ethi" typeface="Nyala"/>
-        <a:font script="Beng" typeface="Vrinda"/>
-        <a:font script="Gujr" typeface="Shruti"/>
-        <a:font script="Khmr" typeface="DaunPenh"/>
-        <a:font script="Knda" typeface="Tunga"/>
-        <a:font script="Guru" typeface="Raavi"/>
-        <a:font script="Cans" typeface="Euphemia"/>
-        <a:font script="Cher" typeface="Plantagenet Cherokee"/>
-        <a:font script="Yiii" typeface="Microsoft Yi Baiti"/>
-        <a:font script="Tibt" typeface="Microsoft Himalaya"/>
-        <a:font script="Thaa" typeface="MV Boli"/>
-        <a:font script="Deva" typeface="Mangal"/>
-        <a:font script="Telu" typeface="Gautami"/>
-        <a:font script="Taml" typeface="Latha"/>
-        <a:font script="Syrc" typeface="Estrangelo Edessa"/>
-        <a:font script="Orya" typeface="Kalinga"/>
-        <a:font script="Mlym" typeface="Kartika"/>
-        <a:font script="Laoo" typeface="DokChampa"/>
-        <a:font script="Sinh" typeface="Iskoola Pota"/>
-        <a:font script="Mong" typeface="Mongolian Baiti"/>
-        <a:font script="Viet" typeface="Arial"/>
-        <a:font script="Uigh" typeface="Microsoft Uighur"/>
-        <a:font script="Geor" typeface="Sylfaen"/>
-      </a:minorFont>
-    </a:fontScheme>
-    <a:fmtScheme name="Office">
-      <a:fillStyleLst>
-        <a:solidFill>
-          <a:schemeClr val="phClr"/>
-        </a:solidFill>
-        <a:gradFill rotWithShape="1">
-          <a:gsLst>
-            <a:gs pos="0">
-              <a:schemeClr val="phClr">
-                <a:tint val="50000"/>
-                <a:satMod val="300000"/>
-              </a:schemeClr>
-            </a:gs>
-            <a:gs pos="35000">
-              <a:schemeClr val="phClr">
-                <a:tint val="37000"/>
-                <a:satMod val="300000"/>
-              </a:schemeClr>
-            </a:gs>
-            <a:gs pos="100000">
-              <a:schemeClr val="phClr">
-                <a:tint val="15000"/>
-                <a:satMod val="350000"/>
-              </a:schemeClr>
-            </a:gs>
-          </a:gsLst>
-          <a:lin ang="16200000" scaled="1"/>
-        </a:gradFill>
-        <a:gradFill rotWithShape="1">
-          <a:gsLst>
-            <a:gs pos="0">
-              <a:schemeClr val="phClr">
-                <a:tint val="100000"/>
-                <a:shade val="100000"/>
-                <a:satMod val="130000"/>
-              </a:schemeClr>
-            </a:gs>
-            <a:gs pos="100000">
-              <a:schemeClr val="phClr">
-                <a:tint val="50000"/>
-                <a:shade val="100000"/>
-                <a:satMod val="350000"/>
-              </a:schemeClr>
-            </a:gs>
-          </a:gsLst>
-          <a:lin ang="16200000" scaled="0"/>
-        </a:gradFill>
-      </a:fillStyleLst>
-      <a:lnStyleLst>
-        <a:ln w="9525" cap="flat" cmpd="sng" algn="ctr">
-          <a:solidFill>
-            <a:schemeClr val="phClr">
-              <a:shade val="95000"/>
-              <a:satMod val="105000"/>
-            </a:schemeClr>
-          </a:solidFill>
-          <a:prstDash val="solid"/>
-        </a:ln>
-        <a:ln w="25400" cap="flat" cmpd="sng" algn="ctr">
-          <a:solidFill>
-            <a:schemeClr val="phClr"/>
-          </a:solidFill>
-          <a:prstDash val="solid"/>
-        </a:ln>
-        <a:ln w="38100" cap="flat" cmpd="sng" algn="ctr">
-          <a:solidFill>
-            <a:schemeClr val="phClr"/>
-          </a:solidFill>
-          <a:prstDash val="solid"/>
-        </a:ln>
-      </a:lnStyleLst>
-      <a:effectStyleLst>
-        <a:effectStyle>
-          <a:effectLst>
-            <a:outerShdw blurRad="40000" dist="20000" dir="5400000" rotWithShape="0">
-              <a:srgbClr val="000000">
-                <a:alpha val="38000"/>
-              </a:srgbClr>
-            </a:outerShdw>
-          </a:effectLst>
-        </a:effectStyle>
-        <a:effectStyle>
-          <a:effectLst>
-            <a:outerShdw blurRad="40000" dist="23000" dir="5400000" rotWithShape="0">
-              <a:srgbClr val="000000">
-                <a:alpha val="35000"/>
-              </a:srgbClr>
-            </a:outerShdw>
-          </a:effectLst>
-        </a:effectStyle>
-        <a:effectStyle>
-          <a:effectLst>
-            <a:outerShdw blurRad="40000" dist="23000" dir="5400000" rotWithShape="0">
-              <a:srgbClr val="000000">
-                <a:alpha val="35000"/>
-              </a:srgbClr>
-            </a:outerShdw>
-          </a:effectLst>
-          <a:scene3d>
-            <a:camera prst="orthographicFront">
-              <a:rot lat="0" lon="0" rev="0"/>
-            </a:camera>
-            <a:lightRig rig="threePt" dir="t">
-              <a:rot lat="0" lon="0" rev="1200000"/>
-            </a:lightRig>
-          </a:scene3d>
-          <a:sp3d>
-            <a:bevelT w="63500" h="25400"/>
-          </a:sp3d>
-        </a:effectStyle>
-      </a:effectStyleLst>
-      <a:bgFillStyleLst>
-        <a:solidFill>
-          <a:schemeClr val="phClr"/>
-        </a:solidFill>
-        <a:gradFill rotWithShape="1">
-          <a:gsLst>
-            <a:gs pos="0">
-              <a:schemeClr val="phClr">
-                <a:tint val="40000"/>
-                <a:satMod val="350000"/>
-              </a:schemeClr>
-            </a:gs>
-            <a:gs pos="40000">
-              <a:schemeClr val="phClr">
-                <a:tint val="45000"/>
-                <a:shade val="99000"/>
-                <a:satMod val="350000"/>
-              </a:schemeClr>
-            </a:gs>
-            <a:gs pos="100000">
-              <a:schemeClr val="phClr">
-                <a:shade val="20000"/>
-                <a:satMod val="255000"/>
-              </a:schemeClr>
-            </a:gs>
-          </a:gsLst>
-          <a:path path="circle">
-            <a:fillToRect l="50000" t="-80000" r="50000" b="180000"/>
-          </a:path>
-        </a:gradFill>
-        <a:gradFill rotWithShape="1">
-          <a:gsLst>
-            <a:gs pos="0">
-              <a:schemeClr val="phClr">
-                <a:tint val="80000"/>
-                <a:satMod val="300000"/>
-              </a:schemeClr>
-            </a:gs>
-            <a:gs pos="100000">
-              <a:schemeClr val="phClr">
-                <a:shade val="30000"/>
-                <a:satMod val="200000"/>
-              </a:schemeClr>
-            </a:gs>
-          </a:gsLst>
-          <a:path path="circle">
-            <a:fillToRect l="50000" t="50000" r="50000" b="50000"/>
-          </a:path>
-        </a:gradFill>
-      </a:bgFillStyleLst>
-    </a:fmtScheme>
-  </a:themeElements>
-</a:theme>
 </file>